--- a/task3/design.pptx
+++ b/task3/design.pptx
@@ -6,6 +6,7 @@
   </p:sldMasterIdLst>
   <p:sldIdLst>
     <p:sldId id="256" r:id="rId2"/>
+    <p:sldId id="257" r:id="rId3"/>
   </p:sldIdLst>
   <p:sldSz cx="12192000" cy="6858000"/>
   <p:notesSz cx="6858000" cy="9144000"/>
@@ -3356,8 +3357,8 @@
         </p:nvSpPr>
         <p:spPr>
           <a:xfrm>
-            <a:off x="1271847" y="748145"/>
-            <a:ext cx="9459884" cy="5187142"/>
+            <a:off x="1187335" y="835429"/>
+            <a:ext cx="9817331" cy="5187142"/>
           </a:xfrm>
           <a:prstGeom prst="rect">
             <a:avLst/>
@@ -3378,7 +3379,7 @@
           </a:fontRef>
         </p:style>
         <p:txBody>
-          <a:bodyPr rtlCol="0" anchor="ctr"/>
+          <a:bodyPr lIns="360000" rIns="360000" rtlCol="0" anchor="ctr"/>
           <a:lstStyle/>
           <a:p>
             <a:pPr algn="l"/>
@@ -3413,17 +3414,7 @@
                 <a:effectLst/>
                 <a:latin typeface="-apple-system"/>
               </a:rPr>
-              <a:t>The company has a web application which collects images uploaded by customers. The company also has a separate web application which provides a stream of images using a Kafka stream. The company’s software engineers have already some code written to process the images. The company would like to save processed images for a minimum of 7 days for archival purposes. Ideally, the company would also want to be able to have some Business Intelligence (BI) on key statistics including number and type of images processed, and by which </a:t>
-            </a:r>
-            <a:r>
-              <a:rPr lang="en-US" b="0" i="0">
-                <a:solidFill>
-                  <a:srgbClr val="24292E"/>
-                </a:solidFill>
-                <a:effectLst/>
-                <a:latin typeface="-apple-system"/>
-              </a:rPr>
-              <a:t>customers.</a:t>
+              <a:t>The company has a web application which collects images uploaded by customers. The company also has a separate web application which provides a stream of images using a Kafka stream. The company’s software engineers have already some code written to process the images. The company would like to save processed images for a minimum of 7 days for archival purposes. Ideally, the company would also want to be able to have some Business Intelligence (BI) on key statistics including number and type of images processed, and by which customers.</a:t>
             </a:r>
           </a:p>
           <a:p>
@@ -3475,6 +3466,490 @@
     <p:extLst>
       <p:ext uri="{BB962C8B-B14F-4D97-AF65-F5344CB8AC3E}">
         <p14:creationId xmlns:p14="http://schemas.microsoft.com/office/powerpoint/2010/main" val="2450032746"/>
+      </p:ext>
+    </p:extLst>
+  </p:cSld>
+  <p:clrMapOvr>
+    <a:masterClrMapping/>
+  </p:clrMapOvr>
+</p:sld>
+</file>
+
+<file path=ppt/slides/slide2.xml><?xml version="1.0" encoding="utf-8"?>
+<p:sld xmlns:a="http://schemas.openxmlformats.org/drawingml/2006/main" xmlns:r="http://schemas.openxmlformats.org/officeDocument/2006/relationships" xmlns:p="http://schemas.openxmlformats.org/presentationml/2006/main">
+  <p:cSld>
+    <p:spTree>
+      <p:nvGrpSpPr>
+        <p:cNvPr id="1" name=""/>
+        <p:cNvGrpSpPr/>
+        <p:nvPr/>
+      </p:nvGrpSpPr>
+      <p:grpSpPr>
+        <a:xfrm>
+          <a:off x="0" y="0"/>
+          <a:ext cx="0" cy="0"/>
+          <a:chOff x="0" y="0"/>
+          <a:chExt cx="0" cy="0"/>
+        </a:xfrm>
+      </p:grpSpPr>
+      <p:sp>
+        <p:nvSpPr>
+          <p:cNvPr id="2" name="Rectangle 1">
+            <a:extLst>
+              <a:ext uri="{FF2B5EF4-FFF2-40B4-BE49-F238E27FC236}">
+                <a16:creationId xmlns:a16="http://schemas.microsoft.com/office/drawing/2014/main" id="{3424CC2A-287B-4389-8EC1-CC4C0653DB2C}"/>
+              </a:ext>
+            </a:extLst>
+          </p:cNvPr>
+          <p:cNvSpPr/>
+          <p:nvPr/>
+        </p:nvSpPr>
+        <p:spPr>
+          <a:xfrm>
+            <a:off x="1378226" y="1649898"/>
+            <a:ext cx="1557130" cy="901148"/>
+          </a:xfrm>
+          <a:prstGeom prst="rect">
+            <a:avLst/>
+          </a:prstGeom>
+        </p:spPr>
+        <p:style>
+          <a:lnRef idx="1">
+            <a:schemeClr val="accent1"/>
+          </a:lnRef>
+          <a:fillRef idx="2">
+            <a:schemeClr val="accent1"/>
+          </a:fillRef>
+          <a:effectRef idx="1">
+            <a:schemeClr val="accent1"/>
+          </a:effectRef>
+          <a:fontRef idx="minor">
+            <a:schemeClr val="dk1"/>
+          </a:fontRef>
+        </p:style>
+        <p:txBody>
+          <a:bodyPr rtlCol="0" anchor="ctr"/>
+          <a:lstStyle/>
+          <a:p>
+            <a:pPr algn="ctr"/>
+            <a:r>
+              <a:rPr lang="en-SG" sz="1400" dirty="0"/>
+              <a:t>Web Application</a:t>
+            </a:r>
+          </a:p>
+          <a:p>
+            <a:pPr algn="ctr"/>
+            <a:r>
+              <a:rPr lang="en-SG" sz="1400" dirty="0"/>
+              <a:t>Server</a:t>
+            </a:r>
+          </a:p>
+          <a:p>
+            <a:pPr algn="ctr"/>
+            <a:r>
+              <a:rPr lang="en-SG" sz="1400" dirty="0"/>
+              <a:t>(Producer)</a:t>
+            </a:r>
+          </a:p>
+        </p:txBody>
+      </p:sp>
+      <p:sp>
+        <p:nvSpPr>
+          <p:cNvPr id="5" name="Rectangle 4">
+            <a:extLst>
+              <a:ext uri="{FF2B5EF4-FFF2-40B4-BE49-F238E27FC236}">
+                <a16:creationId xmlns:a16="http://schemas.microsoft.com/office/drawing/2014/main" id="{28DBF366-BA7A-4BBF-AC9E-524DACD68403}"/>
+              </a:ext>
+            </a:extLst>
+          </p:cNvPr>
+          <p:cNvSpPr/>
+          <p:nvPr/>
+        </p:nvSpPr>
+        <p:spPr>
+          <a:xfrm>
+            <a:off x="3690728" y="1961325"/>
+            <a:ext cx="2140228" cy="1358345"/>
+          </a:xfrm>
+          <a:prstGeom prst="rect">
+            <a:avLst/>
+          </a:prstGeom>
+        </p:spPr>
+        <p:style>
+          <a:lnRef idx="1">
+            <a:schemeClr val="accent6"/>
+          </a:lnRef>
+          <a:fillRef idx="2">
+            <a:schemeClr val="accent6"/>
+          </a:fillRef>
+          <a:effectRef idx="1">
+            <a:schemeClr val="accent6"/>
+          </a:effectRef>
+          <a:fontRef idx="minor">
+            <a:schemeClr val="dk1"/>
+          </a:fontRef>
+        </p:style>
+        <p:txBody>
+          <a:bodyPr rtlCol="0" anchor="ctr"/>
+          <a:lstStyle/>
+          <a:p>
+            <a:pPr algn="ctr"/>
+            <a:r>
+              <a:rPr lang="en-SG" sz="1400" dirty="0"/>
+              <a:t>Kafka Topic</a:t>
+            </a:r>
+          </a:p>
+        </p:txBody>
+      </p:sp>
+      <p:sp>
+        <p:nvSpPr>
+          <p:cNvPr id="6" name="Rectangle 5">
+            <a:extLst>
+              <a:ext uri="{FF2B5EF4-FFF2-40B4-BE49-F238E27FC236}">
+                <a16:creationId xmlns:a16="http://schemas.microsoft.com/office/drawing/2014/main" id="{9C859954-F30A-41F0-BC3F-F53038FEB0A6}"/>
+              </a:ext>
+            </a:extLst>
+          </p:cNvPr>
+          <p:cNvSpPr/>
+          <p:nvPr/>
+        </p:nvSpPr>
+        <p:spPr>
+          <a:xfrm>
+            <a:off x="1378226" y="2882350"/>
+            <a:ext cx="1557130" cy="901148"/>
+          </a:xfrm>
+          <a:prstGeom prst="rect">
+            <a:avLst/>
+          </a:prstGeom>
+        </p:spPr>
+        <p:style>
+          <a:lnRef idx="1">
+            <a:schemeClr val="accent1"/>
+          </a:lnRef>
+          <a:fillRef idx="2">
+            <a:schemeClr val="accent1"/>
+          </a:fillRef>
+          <a:effectRef idx="1">
+            <a:schemeClr val="accent1"/>
+          </a:effectRef>
+          <a:fontRef idx="minor">
+            <a:schemeClr val="dk1"/>
+          </a:fontRef>
+        </p:style>
+        <p:txBody>
+          <a:bodyPr rtlCol="0" anchor="ctr"/>
+          <a:lstStyle/>
+          <a:p>
+            <a:pPr algn="ctr"/>
+            <a:r>
+              <a:rPr lang="en-SG" sz="1400" dirty="0"/>
+              <a:t>Web Application</a:t>
+            </a:r>
+          </a:p>
+          <a:p>
+            <a:pPr algn="ctr"/>
+            <a:r>
+              <a:rPr lang="en-SG" sz="1400" dirty="0"/>
+              <a:t>Server</a:t>
+            </a:r>
+          </a:p>
+          <a:p>
+            <a:pPr algn="ctr"/>
+            <a:r>
+              <a:rPr lang="en-SG" sz="1400" dirty="0"/>
+              <a:t>(Producer)</a:t>
+            </a:r>
+          </a:p>
+        </p:txBody>
+      </p:sp>
+      <p:sp>
+        <p:nvSpPr>
+          <p:cNvPr id="7" name="Rectangle 6">
+            <a:extLst>
+              <a:ext uri="{FF2B5EF4-FFF2-40B4-BE49-F238E27FC236}">
+                <a16:creationId xmlns:a16="http://schemas.microsoft.com/office/drawing/2014/main" id="{42576194-A4BC-4B24-95AB-DE87BF0EE074}"/>
+              </a:ext>
+            </a:extLst>
+          </p:cNvPr>
+          <p:cNvSpPr/>
+          <p:nvPr/>
+        </p:nvSpPr>
+        <p:spPr>
+          <a:xfrm rot="16200000">
+            <a:off x="5552661" y="2388708"/>
+            <a:ext cx="2140228" cy="523458"/>
+          </a:xfrm>
+          <a:prstGeom prst="rect">
+            <a:avLst/>
+          </a:prstGeom>
+        </p:spPr>
+        <p:style>
+          <a:lnRef idx="1">
+            <a:schemeClr val="accent6"/>
+          </a:lnRef>
+          <a:fillRef idx="2">
+            <a:schemeClr val="accent6"/>
+          </a:fillRef>
+          <a:effectRef idx="1">
+            <a:schemeClr val="accent6"/>
+          </a:effectRef>
+          <a:fontRef idx="minor">
+            <a:schemeClr val="dk1"/>
+          </a:fontRef>
+        </p:style>
+        <p:txBody>
+          <a:bodyPr rtlCol="0" anchor="ctr"/>
+          <a:lstStyle/>
+          <a:p>
+            <a:pPr algn="ctr"/>
+            <a:r>
+              <a:rPr lang="en-SG" sz="1400" dirty="0"/>
+              <a:t>Kafka Connect</a:t>
+            </a:r>
+          </a:p>
+        </p:txBody>
+      </p:sp>
+      <p:sp>
+        <p:nvSpPr>
+          <p:cNvPr id="3" name="Arrow: Right 2">
+            <a:extLst>
+              <a:ext uri="{FF2B5EF4-FFF2-40B4-BE49-F238E27FC236}">
+                <a16:creationId xmlns:a16="http://schemas.microsoft.com/office/drawing/2014/main" id="{FBB53AB7-F0CD-4764-8037-90823774F86E}"/>
+              </a:ext>
+            </a:extLst>
+          </p:cNvPr>
+          <p:cNvSpPr/>
+          <p:nvPr/>
+        </p:nvSpPr>
+        <p:spPr>
+          <a:xfrm>
+            <a:off x="3160638" y="2140226"/>
+            <a:ext cx="311432" cy="145774"/>
+          </a:xfrm>
+          <a:prstGeom prst="rightArrow">
+            <a:avLst/>
+          </a:prstGeom>
+        </p:spPr>
+        <p:style>
+          <a:lnRef idx="2">
+            <a:schemeClr val="accent1">
+              <a:shade val="50000"/>
+            </a:schemeClr>
+          </a:lnRef>
+          <a:fillRef idx="1">
+            <a:schemeClr val="accent1"/>
+          </a:fillRef>
+          <a:effectRef idx="0">
+            <a:schemeClr val="accent1"/>
+          </a:effectRef>
+          <a:fontRef idx="minor">
+            <a:schemeClr val="lt1"/>
+          </a:fontRef>
+        </p:style>
+        <p:txBody>
+          <a:bodyPr rtlCol="0" anchor="ctr"/>
+          <a:lstStyle/>
+          <a:p>
+            <a:pPr algn="ctr"/>
+            <a:endParaRPr lang="en-SG"/>
+          </a:p>
+        </p:txBody>
+      </p:sp>
+      <p:sp>
+        <p:nvSpPr>
+          <p:cNvPr id="8" name="Arrow: Right 7">
+            <a:extLst>
+              <a:ext uri="{FF2B5EF4-FFF2-40B4-BE49-F238E27FC236}">
+                <a16:creationId xmlns:a16="http://schemas.microsoft.com/office/drawing/2014/main" id="{B964E126-5D62-475F-8807-DC0E174760B4}"/>
+              </a:ext>
+            </a:extLst>
+          </p:cNvPr>
+          <p:cNvSpPr/>
+          <p:nvPr/>
+        </p:nvSpPr>
+        <p:spPr>
+          <a:xfrm>
+            <a:off x="3160638" y="3021496"/>
+            <a:ext cx="311432" cy="145774"/>
+          </a:xfrm>
+          <a:prstGeom prst="rightArrow">
+            <a:avLst/>
+          </a:prstGeom>
+        </p:spPr>
+        <p:style>
+          <a:lnRef idx="2">
+            <a:schemeClr val="accent1">
+              <a:shade val="50000"/>
+            </a:schemeClr>
+          </a:lnRef>
+          <a:fillRef idx="1">
+            <a:schemeClr val="accent1"/>
+          </a:fillRef>
+          <a:effectRef idx="0">
+            <a:schemeClr val="accent1"/>
+          </a:effectRef>
+          <a:fontRef idx="minor">
+            <a:schemeClr val="lt1"/>
+          </a:fontRef>
+        </p:style>
+        <p:txBody>
+          <a:bodyPr rtlCol="0" anchor="ctr"/>
+          <a:lstStyle/>
+          <a:p>
+            <a:pPr algn="ctr"/>
+            <a:endParaRPr lang="en-SG"/>
+          </a:p>
+        </p:txBody>
+      </p:sp>
+      <p:sp>
+        <p:nvSpPr>
+          <p:cNvPr id="9" name="Arrow: Right 8">
+            <a:extLst>
+              <a:ext uri="{FF2B5EF4-FFF2-40B4-BE49-F238E27FC236}">
+                <a16:creationId xmlns:a16="http://schemas.microsoft.com/office/drawing/2014/main" id="{465BF03F-8D41-46C6-85B3-8E4D92298587}"/>
+              </a:ext>
+            </a:extLst>
+          </p:cNvPr>
+          <p:cNvSpPr/>
+          <p:nvPr/>
+        </p:nvSpPr>
+        <p:spPr>
+          <a:xfrm>
+            <a:off x="5940285" y="2577549"/>
+            <a:ext cx="311432" cy="145774"/>
+          </a:xfrm>
+          <a:prstGeom prst="rightArrow">
+            <a:avLst/>
+          </a:prstGeom>
+        </p:spPr>
+        <p:style>
+          <a:lnRef idx="2">
+            <a:schemeClr val="accent1">
+              <a:shade val="50000"/>
+            </a:schemeClr>
+          </a:lnRef>
+          <a:fillRef idx="1">
+            <a:schemeClr val="accent1"/>
+          </a:fillRef>
+          <a:effectRef idx="0">
+            <a:schemeClr val="accent1"/>
+          </a:effectRef>
+          <a:fontRef idx="minor">
+            <a:schemeClr val="lt1"/>
+          </a:fontRef>
+        </p:style>
+        <p:txBody>
+          <a:bodyPr rtlCol="0" anchor="ctr"/>
+          <a:lstStyle/>
+          <a:p>
+            <a:pPr algn="ctr"/>
+            <a:endParaRPr lang="en-SG"/>
+          </a:p>
+        </p:txBody>
+      </p:sp>
+      <p:sp>
+        <p:nvSpPr>
+          <p:cNvPr id="10" name="Rectangle 9">
+            <a:extLst>
+              <a:ext uri="{FF2B5EF4-FFF2-40B4-BE49-F238E27FC236}">
+                <a16:creationId xmlns:a16="http://schemas.microsoft.com/office/drawing/2014/main" id="{716E7540-2AAB-4CCD-BFC4-594FA50B979F}"/>
+              </a:ext>
+            </a:extLst>
+          </p:cNvPr>
+          <p:cNvSpPr/>
+          <p:nvPr/>
+        </p:nvSpPr>
+        <p:spPr>
+          <a:xfrm>
+            <a:off x="7663100" y="2140226"/>
+            <a:ext cx="1753942" cy="1113180"/>
+          </a:xfrm>
+          <a:prstGeom prst="rect">
+            <a:avLst/>
+          </a:prstGeom>
+        </p:spPr>
+        <p:style>
+          <a:lnRef idx="1">
+            <a:schemeClr val="accent6"/>
+          </a:lnRef>
+          <a:fillRef idx="2">
+            <a:schemeClr val="accent6"/>
+          </a:fillRef>
+          <a:effectRef idx="1">
+            <a:schemeClr val="accent6"/>
+          </a:effectRef>
+          <a:fontRef idx="minor">
+            <a:schemeClr val="dk1"/>
+          </a:fontRef>
+        </p:style>
+        <p:txBody>
+          <a:bodyPr rtlCol="0" anchor="ctr"/>
+          <a:lstStyle/>
+          <a:p>
+            <a:pPr algn="ctr"/>
+            <a:r>
+              <a:rPr lang="en-SG" sz="1400" dirty="0"/>
+              <a:t>Data Lake</a:t>
+            </a:r>
+          </a:p>
+          <a:p>
+            <a:pPr algn="ctr"/>
+            <a:r>
+              <a:rPr lang="en-SG" sz="1400" dirty="0"/>
+              <a:t>(Amazon S3)</a:t>
+            </a:r>
+          </a:p>
+        </p:txBody>
+      </p:sp>
+      <p:sp>
+        <p:nvSpPr>
+          <p:cNvPr id="11" name="Arrow: Right 10">
+            <a:extLst>
+              <a:ext uri="{FF2B5EF4-FFF2-40B4-BE49-F238E27FC236}">
+                <a16:creationId xmlns:a16="http://schemas.microsoft.com/office/drawing/2014/main" id="{62676894-85AA-4B41-AECE-20EF125C47E8}"/>
+              </a:ext>
+            </a:extLst>
+          </p:cNvPr>
+          <p:cNvSpPr/>
+          <p:nvPr/>
+        </p:nvSpPr>
+        <p:spPr>
+          <a:xfrm>
+            <a:off x="7118086" y="2597426"/>
+            <a:ext cx="311432" cy="145774"/>
+          </a:xfrm>
+          <a:prstGeom prst="rightArrow">
+            <a:avLst/>
+          </a:prstGeom>
+        </p:spPr>
+        <p:style>
+          <a:lnRef idx="2">
+            <a:schemeClr val="accent1">
+              <a:shade val="50000"/>
+            </a:schemeClr>
+          </a:lnRef>
+          <a:fillRef idx="1">
+            <a:schemeClr val="accent1"/>
+          </a:fillRef>
+          <a:effectRef idx="0">
+            <a:schemeClr val="accent1"/>
+          </a:effectRef>
+          <a:fontRef idx="minor">
+            <a:schemeClr val="lt1"/>
+          </a:fontRef>
+        </p:style>
+        <p:txBody>
+          <a:bodyPr rtlCol="0" anchor="ctr"/>
+          <a:lstStyle/>
+          <a:p>
+            <a:pPr algn="ctr"/>
+            <a:endParaRPr lang="en-SG"/>
+          </a:p>
+        </p:txBody>
+      </p:sp>
+    </p:spTree>
+    <p:extLst>
+      <p:ext uri="{BB962C8B-B14F-4D97-AF65-F5344CB8AC3E}">
+        <p14:creationId xmlns:p14="http://schemas.microsoft.com/office/powerpoint/2010/main" val="3217794111"/>
       </p:ext>
     </p:extLst>
   </p:cSld>
